--- a/図作成用パワーポイント/opgridins.pptx
+++ b/図作成用パワーポイント/opgridins.pptx
@@ -244,7 +244,7 @@
           <a:p>
             <a:fld id="{A6F6A85E-C83F-4421-9251-FB230E4AD7D1}" type="datetimeFigureOut">
               <a:rPr kumimoji="1" lang="ja-JP" altLang="en-US" smtClean="0"/>
-              <a:t>2019/2/25</a:t>
+              <a:t>2019/2/28</a:t>
             </a:fld>
             <a:endParaRPr kumimoji="1" lang="ja-JP" altLang="en-US"/>
           </a:p>
@@ -446,7 +446,7 @@
           <a:p>
             <a:fld id="{A6F6A85E-C83F-4421-9251-FB230E4AD7D1}" type="datetimeFigureOut">
               <a:rPr kumimoji="1" lang="ja-JP" altLang="en-US" smtClean="0"/>
-              <a:t>2019/2/25</a:t>
+              <a:t>2019/2/28</a:t>
             </a:fld>
             <a:endParaRPr kumimoji="1" lang="ja-JP" altLang="en-US"/>
           </a:p>
@@ -658,7 +658,7 @@
           <a:p>
             <a:fld id="{A6F6A85E-C83F-4421-9251-FB230E4AD7D1}" type="datetimeFigureOut">
               <a:rPr kumimoji="1" lang="ja-JP" altLang="en-US" smtClean="0"/>
-              <a:t>2019/2/25</a:t>
+              <a:t>2019/2/28</a:t>
             </a:fld>
             <a:endParaRPr kumimoji="1" lang="ja-JP" altLang="en-US"/>
           </a:p>
@@ -860,7 +860,7 @@
           <a:p>
             <a:fld id="{A6F6A85E-C83F-4421-9251-FB230E4AD7D1}" type="datetimeFigureOut">
               <a:rPr kumimoji="1" lang="ja-JP" altLang="en-US" smtClean="0"/>
-              <a:t>2019/2/25</a:t>
+              <a:t>2019/2/28</a:t>
             </a:fld>
             <a:endParaRPr kumimoji="1" lang="ja-JP" altLang="en-US"/>
           </a:p>
@@ -1106,7 +1106,7 @@
           <a:p>
             <a:fld id="{A6F6A85E-C83F-4421-9251-FB230E4AD7D1}" type="datetimeFigureOut">
               <a:rPr kumimoji="1" lang="ja-JP" altLang="en-US" smtClean="0"/>
-              <a:t>2019/2/25</a:t>
+              <a:t>2019/2/28</a:t>
             </a:fld>
             <a:endParaRPr kumimoji="1" lang="ja-JP" altLang="en-US"/>
           </a:p>
@@ -1402,7 +1402,7 @@
           <a:p>
             <a:fld id="{A6F6A85E-C83F-4421-9251-FB230E4AD7D1}" type="datetimeFigureOut">
               <a:rPr kumimoji="1" lang="ja-JP" altLang="en-US" smtClean="0"/>
-              <a:t>2019/2/25</a:t>
+              <a:t>2019/2/28</a:t>
             </a:fld>
             <a:endParaRPr kumimoji="1" lang="ja-JP" altLang="en-US"/>
           </a:p>
@@ -1833,7 +1833,7 @@
           <a:p>
             <a:fld id="{A6F6A85E-C83F-4421-9251-FB230E4AD7D1}" type="datetimeFigureOut">
               <a:rPr kumimoji="1" lang="ja-JP" altLang="en-US" smtClean="0"/>
-              <a:t>2019/2/25</a:t>
+              <a:t>2019/2/28</a:t>
             </a:fld>
             <a:endParaRPr kumimoji="1" lang="ja-JP" altLang="en-US"/>
           </a:p>
@@ -1951,7 +1951,7 @@
           <a:p>
             <a:fld id="{A6F6A85E-C83F-4421-9251-FB230E4AD7D1}" type="datetimeFigureOut">
               <a:rPr kumimoji="1" lang="ja-JP" altLang="en-US" smtClean="0"/>
-              <a:t>2019/2/25</a:t>
+              <a:t>2019/2/28</a:t>
             </a:fld>
             <a:endParaRPr kumimoji="1" lang="ja-JP" altLang="en-US"/>
           </a:p>
@@ -2046,7 +2046,7 @@
           <a:p>
             <a:fld id="{A6F6A85E-C83F-4421-9251-FB230E4AD7D1}" type="datetimeFigureOut">
               <a:rPr kumimoji="1" lang="ja-JP" altLang="en-US" smtClean="0"/>
-              <a:t>2019/2/25</a:t>
+              <a:t>2019/2/28</a:t>
             </a:fld>
             <a:endParaRPr kumimoji="1" lang="ja-JP" altLang="en-US"/>
           </a:p>
@@ -2355,7 +2355,7 @@
           <a:p>
             <a:fld id="{A6F6A85E-C83F-4421-9251-FB230E4AD7D1}" type="datetimeFigureOut">
               <a:rPr kumimoji="1" lang="ja-JP" altLang="en-US" smtClean="0"/>
-              <a:t>2019/2/25</a:t>
+              <a:t>2019/2/28</a:t>
             </a:fld>
             <a:endParaRPr kumimoji="1" lang="ja-JP" altLang="en-US"/>
           </a:p>
@@ -2608,7 +2608,7 @@
           <a:p>
             <a:fld id="{A6F6A85E-C83F-4421-9251-FB230E4AD7D1}" type="datetimeFigureOut">
               <a:rPr kumimoji="1" lang="ja-JP" altLang="en-US" smtClean="0"/>
-              <a:t>2019/2/25</a:t>
+              <a:t>2019/2/28</a:t>
             </a:fld>
             <a:endParaRPr kumimoji="1" lang="ja-JP" altLang="en-US"/>
           </a:p>
@@ -2853,7 +2853,7 @@
           <a:p>
             <a:fld id="{A6F6A85E-C83F-4421-9251-FB230E4AD7D1}" type="datetimeFigureOut">
               <a:rPr kumimoji="1" lang="ja-JP" altLang="en-US" smtClean="0"/>
-              <a:t>2019/2/25</a:t>
+              <a:t>2019/2/28</a:t>
             </a:fld>
             <a:endParaRPr kumimoji="1" lang="ja-JP" altLang="en-US"/>
           </a:p>
@@ -3266,7 +3266,7 @@
         </p:nvGrpSpPr>
         <p:grpSpPr>
           <a:xfrm>
-            <a:off x="1555667" y="241516"/>
+            <a:off x="1446162" y="300893"/>
             <a:ext cx="9800296" cy="5755523"/>
             <a:chOff x="1695239" y="110887"/>
             <a:chExt cx="10040735" cy="6254866"/>
@@ -22217,7 +22217,7 @@
         </p:nvSpPr>
         <p:spPr>
           <a:xfrm rot="16200000">
-            <a:off x="4977152" y="5163499"/>
+            <a:off x="4867647" y="5222876"/>
             <a:ext cx="355260" cy="2126711"/>
           </a:xfrm>
           <a:prstGeom prst="leftBrace">
@@ -22268,7 +22268,7 @@
         </p:nvSpPr>
         <p:spPr>
           <a:xfrm rot="16200000">
-            <a:off x="10101618" y="5156767"/>
+            <a:off x="9992113" y="5216144"/>
             <a:ext cx="361889" cy="2146803"/>
           </a:xfrm>
           <a:prstGeom prst="leftBrace">
@@ -22319,7 +22319,7 @@
         </p:nvSpPr>
         <p:spPr>
           <a:xfrm rot="16200000">
-            <a:off x="7549396" y="4787296"/>
+            <a:off x="7439891" y="4846673"/>
             <a:ext cx="355260" cy="2879120"/>
           </a:xfrm>
           <a:prstGeom prst="leftBrace">
@@ -22370,7 +22370,7 @@
         </p:nvSpPr>
         <p:spPr>
           <a:xfrm rot="16200000">
-            <a:off x="2822105" y="5203492"/>
+            <a:off x="2712600" y="5262869"/>
             <a:ext cx="308050" cy="1999513"/>
           </a:xfrm>
           <a:prstGeom prst="leftBrace">
@@ -22413,8 +22413,8 @@
           </a:p>
         </p:txBody>
       </p:sp>
-      <mc:AlternateContent xmlns:mc="http://schemas.openxmlformats.org/markup-compatibility/2006" xmlns:a14="http://schemas.microsoft.com/office/drawing/2010/main">
-        <mc:Choice Requires="a14">
+      <mc:AlternateContent xmlns:mc="http://schemas.openxmlformats.org/markup-compatibility/2006">
+        <mc:Choice xmlns:a14="http://schemas.microsoft.com/office/drawing/2010/main" Requires="a14">
           <p:sp>
             <p:nvSpPr>
               <p:cNvPr id="913" name="テキスト ボックス 912"/>
@@ -22423,7 +22423,7 @@
             </p:nvSpPr>
             <p:spPr>
               <a:xfrm>
-                <a:off x="2157715" y="6358110"/>
+                <a:off x="2048210" y="6417487"/>
                 <a:ext cx="1580578" cy="791895"/>
               </a:xfrm>
               <a:prstGeom prst="rect">
@@ -22470,7 +22470,7 @@
             </p:txBody>
           </p:sp>
         </mc:Choice>
-        <mc:Fallback xmlns="">
+        <mc:Fallback>
           <p:sp>
             <p:nvSpPr>
               <p:cNvPr id="913" name="テキスト ボックス 912"/>
@@ -22481,7 +22481,7 @@
             </p:nvSpPr>
             <p:spPr>
               <a:xfrm>
-                <a:off x="2157715" y="6358110"/>
+                <a:off x="2048210" y="6417487"/>
                 <a:ext cx="1580578" cy="791895"/>
               </a:xfrm>
               <a:prstGeom prst="rect">
@@ -22509,14 +22509,14 @@
           </p:sp>
         </mc:Fallback>
       </mc:AlternateContent>
-      <mc:AlternateContent xmlns:mc="http://schemas.openxmlformats.org/markup-compatibility/2006" xmlns:a14="http://schemas.microsoft.com/office/drawing/2010/main">
-        <mc:Choice Requires="a14">
+      <mc:AlternateContent xmlns:mc="http://schemas.openxmlformats.org/markup-compatibility/2006">
+        <mc:Choice xmlns:a14="http://schemas.microsoft.com/office/drawing/2010/main" Requires="a14">
           <p:sp>
             <p:nvSpPr>
               <p:cNvPr id="914" name="テキスト ボックス 913">
                 <a:extLst>
                   <a:ext uri="{FF2B5EF4-FFF2-40B4-BE49-F238E27FC236}">
-                    <a16:creationId xmlns:a16="http://schemas.microsoft.com/office/drawing/2014/main" xmlns="" id="{E4C3C1CC-7DFB-4879-9982-E12AF92D5157}"/>
+                    <a16:creationId xmlns="" xmlns:a16="http://schemas.microsoft.com/office/drawing/2014/main" id="{E4C3C1CC-7DFB-4879-9982-E12AF92D5157}"/>
                   </a:ext>
                 </a:extLst>
               </p:cNvPr>
@@ -22525,7 +22525,7 @@
             </p:nvSpPr>
             <p:spPr>
               <a:xfrm>
-                <a:off x="6971731" y="6366009"/>
+                <a:off x="6862226" y="6425386"/>
                 <a:ext cx="1504405" cy="791895"/>
               </a:xfrm>
               <a:prstGeom prst="rect">
@@ -22572,13 +22572,13 @@
             </p:txBody>
           </p:sp>
         </mc:Choice>
-        <mc:Fallback xmlns="">
+        <mc:Fallback>
           <p:sp>
             <p:nvSpPr>
               <p:cNvPr id="914" name="テキスト ボックス 913">
                 <a:extLst>
                   <a:ext uri="{FF2B5EF4-FFF2-40B4-BE49-F238E27FC236}">
-                    <a16:creationId xmlns:a16="http://schemas.microsoft.com/office/drawing/2014/main" xmlns="" xmlns:a14="http://schemas.microsoft.com/office/drawing/2010/main" id="{E4C3C1CC-7DFB-4879-9982-E12AF92D5157}"/>
+                    <a16:creationId xmlns="" xmlns:a16="http://schemas.microsoft.com/office/drawing/2014/main" xmlns:a14="http://schemas.microsoft.com/office/drawing/2010/main" id="{E4C3C1CC-7DFB-4879-9982-E12AF92D5157}"/>
                   </a:ext>
                 </a:extLst>
               </p:cNvPr>
@@ -22589,7 +22589,7 @@
             </p:nvSpPr>
             <p:spPr>
               <a:xfrm>
-                <a:off x="6971731" y="6366009"/>
+                <a:off x="6862226" y="6425386"/>
                 <a:ext cx="1504405" cy="791895"/>
               </a:xfrm>
               <a:prstGeom prst="rect">
@@ -22622,7 +22622,7 @@
           <p:cNvPr id="915" name="左中かっこ 914">
             <a:extLst>
               <a:ext uri="{FF2B5EF4-FFF2-40B4-BE49-F238E27FC236}">
-                <a16:creationId xmlns:a16="http://schemas.microsoft.com/office/drawing/2014/main" xmlns="" id="{7484E61E-C510-4FF0-978A-471330A22C3C}"/>
+                <a16:creationId xmlns="" xmlns:a16="http://schemas.microsoft.com/office/drawing/2014/main" id="{7484E61E-C510-4FF0-978A-471330A22C3C}"/>
               </a:ext>
             </a:extLst>
           </p:cNvPr>
@@ -22631,7 +22631,7 @@
         </p:nvSpPr>
         <p:spPr>
           <a:xfrm rot="16200000">
-            <a:off x="1571397" y="6046596"/>
+            <a:off x="1461892" y="6105973"/>
             <a:ext cx="319752" cy="319075"/>
           </a:xfrm>
           <a:prstGeom prst="leftBrace">
@@ -22674,14 +22674,14 @@
           </a:p>
         </p:txBody>
       </p:sp>
-      <mc:AlternateContent xmlns:mc="http://schemas.openxmlformats.org/markup-compatibility/2006" xmlns:a14="http://schemas.microsoft.com/office/drawing/2010/main">
-        <mc:Choice Requires="a14">
+      <mc:AlternateContent xmlns:mc="http://schemas.openxmlformats.org/markup-compatibility/2006">
+        <mc:Choice xmlns:a14="http://schemas.microsoft.com/office/drawing/2010/main" Requires="a14">
           <p:sp>
             <p:nvSpPr>
               <p:cNvPr id="916" name="テキスト ボックス 915">
                 <a:extLst>
                   <a:ext uri="{FF2B5EF4-FFF2-40B4-BE49-F238E27FC236}">
-                    <a16:creationId xmlns:a16="http://schemas.microsoft.com/office/drawing/2014/main" xmlns="" id="{6DAFFFD6-997E-4295-8337-371E646493AD}"/>
+                    <a16:creationId xmlns="" xmlns:a16="http://schemas.microsoft.com/office/drawing/2014/main" id="{6DAFFFD6-997E-4295-8337-371E646493AD}"/>
                   </a:ext>
                 </a:extLst>
               </p:cNvPr>
@@ -22690,7 +22690,7 @@
             </p:nvSpPr>
             <p:spPr>
               <a:xfrm>
-                <a:off x="1449250" y="6366010"/>
+                <a:off x="1339745" y="6425387"/>
                 <a:ext cx="564045" cy="799512"/>
               </a:xfrm>
               <a:prstGeom prst="rect">
@@ -22725,13 +22725,13 @@
             </p:txBody>
           </p:sp>
         </mc:Choice>
-        <mc:Fallback xmlns="">
+        <mc:Fallback>
           <p:sp>
             <p:nvSpPr>
               <p:cNvPr id="916" name="テキスト ボックス 915">
                 <a:extLst>
                   <a:ext uri="{FF2B5EF4-FFF2-40B4-BE49-F238E27FC236}">
-                    <a16:creationId xmlns:a16="http://schemas.microsoft.com/office/drawing/2014/main" xmlns="" xmlns:a14="http://schemas.microsoft.com/office/drawing/2010/main" id="{6DAFFFD6-997E-4295-8337-371E646493AD}"/>
+                    <a16:creationId xmlns="" xmlns:a16="http://schemas.microsoft.com/office/drawing/2014/main" xmlns:a14="http://schemas.microsoft.com/office/drawing/2010/main" id="{6DAFFFD6-997E-4295-8337-371E646493AD}"/>
                   </a:ext>
                 </a:extLst>
               </p:cNvPr>
@@ -22742,7 +22742,7 @@
             </p:nvSpPr>
             <p:spPr>
               <a:xfrm>
-                <a:off x="1449250" y="6366010"/>
+                <a:off x="1339745" y="6425387"/>
                 <a:ext cx="564045" cy="799512"/>
               </a:xfrm>
               <a:prstGeom prst="rect">
@@ -22770,14 +22770,14 @@
           </p:sp>
         </mc:Fallback>
       </mc:AlternateContent>
-      <mc:AlternateContent xmlns:mc="http://schemas.openxmlformats.org/markup-compatibility/2006" xmlns:a14="http://schemas.microsoft.com/office/drawing/2010/main">
-        <mc:Choice Requires="a14">
+      <mc:AlternateContent xmlns:mc="http://schemas.openxmlformats.org/markup-compatibility/2006">
+        <mc:Choice xmlns:a14="http://schemas.microsoft.com/office/drawing/2010/main" Requires="a14">
           <p:sp>
             <p:nvSpPr>
               <p:cNvPr id="917" name="テキスト ボックス 916">
                 <a:extLst>
                   <a:ext uri="{FF2B5EF4-FFF2-40B4-BE49-F238E27FC236}">
-                    <a16:creationId xmlns:a16="http://schemas.microsoft.com/office/drawing/2014/main" xmlns="" id="{07010F26-716B-423D-9E77-19B5E202747E}"/>
+                    <a16:creationId xmlns="" xmlns:a16="http://schemas.microsoft.com/office/drawing/2014/main" id="{07010F26-716B-423D-9E77-19B5E202747E}"/>
                   </a:ext>
                 </a:extLst>
               </p:cNvPr>
@@ -22786,7 +22786,7 @@
             </p:nvSpPr>
             <p:spPr>
               <a:xfrm>
-                <a:off x="3692810" y="6366009"/>
+                <a:off x="3583305" y="6425386"/>
                 <a:ext cx="2761799" cy="791895"/>
               </a:xfrm>
               <a:prstGeom prst="rect">
@@ -22851,13 +22851,13 @@
             </p:txBody>
           </p:sp>
         </mc:Choice>
-        <mc:Fallback xmlns="">
+        <mc:Fallback>
           <p:sp>
             <p:nvSpPr>
               <p:cNvPr id="917" name="テキスト ボックス 916">
                 <a:extLst>
                   <a:ext uri="{FF2B5EF4-FFF2-40B4-BE49-F238E27FC236}">
-                    <a16:creationId xmlns:a16="http://schemas.microsoft.com/office/drawing/2014/main" xmlns="" xmlns:a14="http://schemas.microsoft.com/office/drawing/2010/main" id="{07010F26-716B-423D-9E77-19B5E202747E}"/>
+                    <a16:creationId xmlns="" xmlns:a16="http://schemas.microsoft.com/office/drawing/2014/main" xmlns:a14="http://schemas.microsoft.com/office/drawing/2010/main" id="{07010F26-716B-423D-9E77-19B5E202747E}"/>
                   </a:ext>
                 </a:extLst>
               </p:cNvPr>
@@ -22868,7 +22868,7 @@
             </p:nvSpPr>
             <p:spPr>
               <a:xfrm>
-                <a:off x="3692810" y="6366009"/>
+                <a:off x="3583305" y="6425386"/>
                 <a:ext cx="2761799" cy="791895"/>
               </a:xfrm>
               <a:prstGeom prst="rect">
@@ -22896,14 +22896,14 @@
           </p:sp>
         </mc:Fallback>
       </mc:AlternateContent>
-      <mc:AlternateContent xmlns:mc="http://schemas.openxmlformats.org/markup-compatibility/2006" xmlns:a14="http://schemas.microsoft.com/office/drawing/2010/main">
-        <mc:Choice Requires="a14">
+      <mc:AlternateContent xmlns:mc="http://schemas.openxmlformats.org/markup-compatibility/2006">
+        <mc:Choice xmlns:a14="http://schemas.microsoft.com/office/drawing/2010/main" Requires="a14">
           <p:sp>
             <p:nvSpPr>
               <p:cNvPr id="918" name="テキスト ボックス 917">
                 <a:extLst>
                   <a:ext uri="{FF2B5EF4-FFF2-40B4-BE49-F238E27FC236}">
-                    <a16:creationId xmlns:a16="http://schemas.microsoft.com/office/drawing/2014/main" xmlns="" id="{65944549-9B1C-4094-8DD6-656F7C2BBAD6}"/>
+                    <a16:creationId xmlns="" xmlns:a16="http://schemas.microsoft.com/office/drawing/2014/main" id="{65944549-9B1C-4094-8DD6-656F7C2BBAD6}"/>
                   </a:ext>
                 </a:extLst>
               </p:cNvPr>
@@ -22912,7 +22912,7 @@
             </p:nvSpPr>
             <p:spPr>
               <a:xfrm>
-                <a:off x="9895973" y="6366010"/>
+                <a:off x="9786468" y="6425387"/>
                 <a:ext cx="798560" cy="791895"/>
               </a:xfrm>
               <a:prstGeom prst="rect">
@@ -22953,13 +22953,13 @@
             </p:txBody>
           </p:sp>
         </mc:Choice>
-        <mc:Fallback xmlns="">
+        <mc:Fallback>
           <p:sp>
             <p:nvSpPr>
               <p:cNvPr id="918" name="テキスト ボックス 917">
                 <a:extLst>
                   <a:ext uri="{FF2B5EF4-FFF2-40B4-BE49-F238E27FC236}">
-                    <a16:creationId xmlns:a16="http://schemas.microsoft.com/office/drawing/2014/main" xmlns="" xmlns:a14="http://schemas.microsoft.com/office/drawing/2010/main" id="{65944549-9B1C-4094-8DD6-656F7C2BBAD6}"/>
+                    <a16:creationId xmlns="" xmlns:a16="http://schemas.microsoft.com/office/drawing/2014/main" xmlns:a14="http://schemas.microsoft.com/office/drawing/2010/main" id="{65944549-9B1C-4094-8DD6-656F7C2BBAD6}"/>
                   </a:ext>
                 </a:extLst>
               </p:cNvPr>
@@ -22970,7 +22970,7 @@
             </p:nvSpPr>
             <p:spPr>
               <a:xfrm>
-                <a:off x="9895973" y="6366010"/>
+                <a:off x="9786468" y="6425387"/>
                 <a:ext cx="798560" cy="791895"/>
               </a:xfrm>
               <a:prstGeom prst="rect">
@@ -23003,7 +23003,7 @@
           <p:cNvPr id="920" name="左中かっこ 919">
             <a:extLst>
               <a:ext uri="{FF2B5EF4-FFF2-40B4-BE49-F238E27FC236}">
-                <a16:creationId xmlns:a16="http://schemas.microsoft.com/office/drawing/2014/main" xmlns="" id="{D2B35B43-3535-4E27-BDFC-B8165A3301B0}"/>
+                <a16:creationId xmlns="" xmlns:a16="http://schemas.microsoft.com/office/drawing/2014/main" id="{D2B35B43-3535-4E27-BDFC-B8165A3301B0}"/>
               </a:ext>
             </a:extLst>
           </p:cNvPr>
@@ -23012,7 +23012,7 @@
         </p:nvSpPr>
         <p:spPr>
           <a:xfrm>
-            <a:off x="793867" y="241516"/>
+            <a:off x="684362" y="300893"/>
             <a:ext cx="287741" cy="5755523"/>
           </a:xfrm>
           <a:prstGeom prst="leftBrace">
@@ -23055,14 +23055,14 @@
           </a:p>
         </p:txBody>
       </p:sp>
-      <mc:AlternateContent xmlns:mc="http://schemas.openxmlformats.org/markup-compatibility/2006" xmlns:a14="http://schemas.microsoft.com/office/drawing/2010/main">
-        <mc:Choice Requires="a14">
+      <mc:AlternateContent xmlns:mc="http://schemas.openxmlformats.org/markup-compatibility/2006">
+        <mc:Choice xmlns:a14="http://schemas.microsoft.com/office/drawing/2010/main" Requires="a14">
           <p:sp>
             <p:nvSpPr>
               <p:cNvPr id="921" name="テキスト ボックス 920">
                 <a:extLst>
                   <a:ext uri="{FF2B5EF4-FFF2-40B4-BE49-F238E27FC236}">
-                    <a16:creationId xmlns:a16="http://schemas.microsoft.com/office/drawing/2014/main" xmlns="" id="{298A6F79-47C5-44F3-AA0A-54172F8B0BB3}"/>
+                    <a16:creationId xmlns="" xmlns:a16="http://schemas.microsoft.com/office/drawing/2014/main" id="{298A6F79-47C5-44F3-AA0A-54172F8B0BB3}"/>
                   </a:ext>
                 </a:extLst>
               </p:cNvPr>
@@ -23071,7 +23071,7 @@
             </p:nvSpPr>
             <p:spPr>
               <a:xfrm>
-                <a:off x="109505" y="2877926"/>
+                <a:off x="0" y="2937303"/>
                 <a:ext cx="697928" cy="523220"/>
               </a:xfrm>
               <a:prstGeom prst="rect">
@@ -23112,13 +23112,13 @@
             </p:txBody>
           </p:sp>
         </mc:Choice>
-        <mc:Fallback xmlns="">
+        <mc:Fallback>
           <p:sp>
             <p:nvSpPr>
               <p:cNvPr id="921" name="テキスト ボックス 920">
                 <a:extLst>
                   <a:ext uri="{FF2B5EF4-FFF2-40B4-BE49-F238E27FC236}">
-                    <a16:creationId xmlns:a16="http://schemas.microsoft.com/office/drawing/2014/main" xmlns="" xmlns:a14="http://schemas.microsoft.com/office/drawing/2010/main" id="{298A6F79-47C5-44F3-AA0A-54172F8B0BB3}"/>
+                    <a16:creationId xmlns="" xmlns:a16="http://schemas.microsoft.com/office/drawing/2014/main" xmlns:a14="http://schemas.microsoft.com/office/drawing/2010/main" id="{298A6F79-47C5-44F3-AA0A-54172F8B0BB3}"/>
                   </a:ext>
                 </a:extLst>
               </p:cNvPr>
@@ -23129,7 +23129,7 @@
             </p:nvSpPr>
             <p:spPr>
               <a:xfrm>
-                <a:off x="109505" y="2877926"/>
+                <a:off x="0" y="2937303"/>
                 <a:ext cx="697928" cy="523220"/>
               </a:xfrm>
               <a:prstGeom prst="rect">
@@ -23157,8 +23157,8 @@
           </p:sp>
         </mc:Fallback>
       </mc:AlternateContent>
-      <mc:AlternateContent xmlns:mc="http://schemas.openxmlformats.org/markup-compatibility/2006" xmlns:a14="http://schemas.microsoft.com/office/drawing/2010/main">
-        <mc:Choice Requires="a14">
+      <mc:AlternateContent xmlns:mc="http://schemas.openxmlformats.org/markup-compatibility/2006">
+        <mc:Choice xmlns:a14="http://schemas.microsoft.com/office/drawing/2010/main" Requires="a14">
           <p:sp>
             <p:nvSpPr>
               <p:cNvPr id="922" name="テキスト ボックス 921"/>
@@ -23167,7 +23167,7 @@
             </p:nvSpPr>
             <p:spPr>
               <a:xfrm>
-                <a:off x="11242728" y="5571274"/>
+                <a:off x="11133223" y="5630651"/>
                 <a:ext cx="901423" cy="1139466"/>
               </a:xfrm>
               <a:prstGeom prst="rect">
@@ -23234,7 +23234,7 @@
             </p:txBody>
           </p:sp>
         </mc:Choice>
-        <mc:Fallback xmlns="">
+        <mc:Fallback>
           <p:sp>
             <p:nvSpPr>
               <p:cNvPr id="922" name="テキスト ボックス 921"/>
@@ -23245,7 +23245,7 @@
             </p:nvSpPr>
             <p:spPr>
               <a:xfrm>
-                <a:off x="11242728" y="5571274"/>
+                <a:off x="11133223" y="5630651"/>
                 <a:ext cx="901423" cy="1139466"/>
               </a:xfrm>
               <a:prstGeom prst="rect">
@@ -23281,7 +23281,7 @@
         </p:nvSpPr>
         <p:spPr>
           <a:xfrm>
-            <a:off x="10947537" y="5599095"/>
+            <a:off x="10838032" y="5658472"/>
             <a:ext cx="468000" cy="468000"/>
           </a:xfrm>
           <a:prstGeom prst="ellipse">
@@ -23320,7 +23320,7 @@
         </p:nvSpPr>
         <p:spPr>
           <a:xfrm>
-            <a:off x="1493295" y="170955"/>
+            <a:off x="1383790" y="230332"/>
             <a:ext cx="468000" cy="468000"/>
           </a:xfrm>
           <a:prstGeom prst="ellipse">
@@ -23351,8 +23351,8 @@
           </a:p>
         </p:txBody>
       </p:sp>
-      <mc:AlternateContent xmlns:mc="http://schemas.openxmlformats.org/markup-compatibility/2006" xmlns:a14="http://schemas.microsoft.com/office/drawing/2010/main">
-        <mc:Choice Requires="a14">
+      <mc:AlternateContent xmlns:mc="http://schemas.openxmlformats.org/markup-compatibility/2006">
+        <mc:Choice xmlns:a14="http://schemas.microsoft.com/office/drawing/2010/main" Requires="a14">
           <p:sp>
             <p:nvSpPr>
               <p:cNvPr id="925" name="テキスト ボックス 924"/>
@@ -23361,7 +23361,7 @@
             </p:nvSpPr>
             <p:spPr>
               <a:xfrm>
-                <a:off x="1005202" y="-154887"/>
+                <a:off x="895697" y="-95510"/>
                 <a:ext cx="633956" cy="523220"/>
               </a:xfrm>
               <a:prstGeom prst="rect">
@@ -23428,7 +23428,7 @@
             </p:txBody>
           </p:sp>
         </mc:Choice>
-        <mc:Fallback xmlns="">
+        <mc:Fallback>
           <p:sp>
             <p:nvSpPr>
               <p:cNvPr id="925" name="テキスト ボックス 924"/>
@@ -23439,7 +23439,7 @@
             </p:nvSpPr>
             <p:spPr>
               <a:xfrm>
-                <a:off x="1005202" y="-154887"/>
+                <a:off x="895697" y="-95510"/>
                 <a:ext cx="633956" cy="523220"/>
               </a:xfrm>
               <a:prstGeom prst="rect">
@@ -23447,6 +23447,354 @@
               </a:prstGeom>
               <a:blipFill rotWithShape="0">
                 <a:blip r:embed="rId9"/>
+                <a:stretch>
+                  <a:fillRect/>
+                </a:stretch>
+              </a:blipFill>
+            </p:spPr>
+            <p:txBody>
+              <a:bodyPr/>
+              <a:lstStyle/>
+              <a:p>
+                <a:r>
+                  <a:rPr lang="ja-JP" altLang="en-US">
+                    <a:noFill/>
+                  </a:rPr>
+                  <a:t> </a:t>
+                </a:r>
+              </a:p>
+            </p:txBody>
+          </p:sp>
+        </mc:Fallback>
+      </mc:AlternateContent>
+      <mc:AlternateContent xmlns:mc="http://schemas.openxmlformats.org/markup-compatibility/2006">
+        <mc:Choice xmlns:a14="http://schemas.microsoft.com/office/drawing/2010/main" Requires="a14">
+          <p:sp>
+            <p:nvSpPr>
+              <p:cNvPr id="516" name="テキスト ボックス 515"/>
+              <p:cNvSpPr txBox="1"/>
+              <p:nvPr/>
+            </p:nvSpPr>
+            <p:spPr>
+              <a:xfrm>
+                <a:off x="3679148" y="-84750"/>
+                <a:ext cx="550087" cy="461665"/>
+              </a:xfrm>
+              <a:prstGeom prst="rect">
+                <a:avLst/>
+              </a:prstGeom>
+              <a:noFill/>
+            </p:spPr>
+            <p:txBody>
+              <a:bodyPr wrap="none" rtlCol="0">
+                <a:spAutoFit/>
+              </a:bodyPr>
+              <a:lstStyle/>
+              <a:p>
+                <a:pPr/>
+                <a14:m>
+                  <m:oMathPara xmlns:m="http://schemas.openxmlformats.org/officeDocument/2006/math">
+                    <m:oMathParaPr>
+                      <m:jc m:val="centerGroup"/>
+                    </m:oMathParaPr>
+                    <m:oMath xmlns:m="http://schemas.openxmlformats.org/officeDocument/2006/math">
+                      <m:sSub>
+                        <m:sSubPr>
+                          <m:ctrlPr>
+                            <a:rPr kumimoji="1" lang="en-US" altLang="ja-JP" sz="2400" b="0" i="1" smtClean="0">
+                              <a:solidFill>
+                                <a:schemeClr val="tx1"/>
+                              </a:solidFill>
+                              <a:latin typeface="Cambria Math" panose="02040503050406030204" pitchFamily="18" charset="0"/>
+                            </a:rPr>
+                          </m:ctrlPr>
+                        </m:sSubPr>
+                        <m:e>
+                          <m:r>
+                            <a:rPr kumimoji="1" lang="en-US" altLang="ja-JP" sz="2400" b="0" i="1" smtClean="0">
+                              <a:solidFill>
+                                <a:schemeClr val="tx1"/>
+                              </a:solidFill>
+                              <a:latin typeface="Cambria Math" panose="02040503050406030204" pitchFamily="18" charset="0"/>
+                            </a:rPr>
+                            <m:t>𝐹</m:t>
+                          </m:r>
+                        </m:e>
+                        <m:sub>
+                          <m:r>
+                            <a:rPr kumimoji="1" lang="en-US" altLang="ja-JP" sz="2400" b="0" i="1" smtClean="0">
+                              <a:solidFill>
+                                <a:schemeClr val="tx1"/>
+                              </a:solidFill>
+                              <a:latin typeface="Cambria Math" panose="02040503050406030204" pitchFamily="18" charset="0"/>
+                            </a:rPr>
+                            <m:t>1</m:t>
+                          </m:r>
+                        </m:sub>
+                      </m:sSub>
+                    </m:oMath>
+                  </m:oMathPara>
+                </a14:m>
+                <a:endParaRPr kumimoji="1" lang="ja-JP" altLang="en-US" dirty="0">
+                  <a:solidFill>
+                    <a:srgbClr val="FF0000"/>
+                  </a:solidFill>
+                </a:endParaRPr>
+              </a:p>
+            </p:txBody>
+          </p:sp>
+        </mc:Choice>
+        <mc:Fallback>
+          <p:sp>
+            <p:nvSpPr>
+              <p:cNvPr id="516" name="テキスト ボックス 515"/>
+              <p:cNvSpPr txBox="1">
+                <a:spLocks noRot="1" noChangeAspect="1" noMove="1" noResize="1" noEditPoints="1" noAdjustHandles="1" noChangeArrowheads="1" noChangeShapeType="1" noTextEdit="1"/>
+              </p:cNvSpPr>
+              <p:nvPr/>
+            </p:nvSpPr>
+            <p:spPr>
+              <a:xfrm>
+                <a:off x="3679148" y="-84750"/>
+                <a:ext cx="550087" cy="461665"/>
+              </a:xfrm>
+              <a:prstGeom prst="rect">
+                <a:avLst/>
+              </a:prstGeom>
+              <a:blipFill rotWithShape="0">
+                <a:blip r:embed="rId10"/>
+                <a:stretch>
+                  <a:fillRect b="-1316"/>
+                </a:stretch>
+              </a:blipFill>
+            </p:spPr>
+            <p:txBody>
+              <a:bodyPr/>
+              <a:lstStyle/>
+              <a:p>
+                <a:r>
+                  <a:rPr lang="ja-JP" altLang="en-US">
+                    <a:noFill/>
+                  </a:rPr>
+                  <a:t> </a:t>
+                </a:r>
+              </a:p>
+            </p:txBody>
+          </p:sp>
+        </mc:Fallback>
+      </mc:AlternateContent>
+      <mc:AlternateContent xmlns:mc="http://schemas.openxmlformats.org/markup-compatibility/2006">
+        <mc:Choice xmlns:a14="http://schemas.microsoft.com/office/drawing/2010/main" Requires="a14">
+          <p:sp>
+            <p:nvSpPr>
+              <p:cNvPr id="517" name="テキスト ボックス 516"/>
+              <p:cNvSpPr txBox="1"/>
+              <p:nvPr/>
+            </p:nvSpPr>
+            <p:spPr>
+              <a:xfrm>
+                <a:off x="3679148" y="1946344"/>
+                <a:ext cx="550087" cy="461665"/>
+              </a:xfrm>
+              <a:prstGeom prst="rect">
+                <a:avLst/>
+              </a:prstGeom>
+              <a:noFill/>
+            </p:spPr>
+            <p:txBody>
+              <a:bodyPr wrap="none" rtlCol="0">
+                <a:spAutoFit/>
+              </a:bodyPr>
+              <a:lstStyle/>
+              <a:p>
+                <a:pPr/>
+                <a14:m>
+                  <m:oMathPara xmlns:m="http://schemas.openxmlformats.org/officeDocument/2006/math">
+                    <m:oMathParaPr>
+                      <m:jc m:val="centerGroup"/>
+                    </m:oMathParaPr>
+                    <m:oMath xmlns:m="http://schemas.openxmlformats.org/officeDocument/2006/math">
+                      <m:sSub>
+                        <m:sSubPr>
+                          <m:ctrlPr>
+                            <a:rPr kumimoji="1" lang="en-US" altLang="ja-JP" sz="2400" b="0" i="1" smtClean="0">
+                              <a:solidFill>
+                                <a:schemeClr val="tx1"/>
+                              </a:solidFill>
+                              <a:latin typeface="Cambria Math" panose="02040503050406030204" pitchFamily="18" charset="0"/>
+                            </a:rPr>
+                          </m:ctrlPr>
+                        </m:sSubPr>
+                        <m:e>
+                          <m:r>
+                            <a:rPr kumimoji="1" lang="en-US" altLang="ja-JP" sz="2400" b="0" i="1" smtClean="0">
+                              <a:solidFill>
+                                <a:schemeClr val="tx1"/>
+                              </a:solidFill>
+                              <a:latin typeface="Cambria Math" panose="02040503050406030204" pitchFamily="18" charset="0"/>
+                            </a:rPr>
+                            <m:t>𝐹</m:t>
+                          </m:r>
+                        </m:e>
+                        <m:sub>
+                          <m:r>
+                            <a:rPr kumimoji="1" lang="en-US" altLang="ja-JP" sz="2400" b="0" i="1" smtClean="0">
+                              <a:solidFill>
+                                <a:schemeClr val="tx1"/>
+                              </a:solidFill>
+                              <a:latin typeface="Cambria Math" panose="02040503050406030204" pitchFamily="18" charset="0"/>
+                            </a:rPr>
+                            <m:t>2</m:t>
+                          </m:r>
+                        </m:sub>
+                      </m:sSub>
+                    </m:oMath>
+                  </m:oMathPara>
+                </a14:m>
+                <a:endParaRPr kumimoji="1" lang="ja-JP" altLang="en-US" dirty="0">
+                  <a:solidFill>
+                    <a:srgbClr val="FF0000"/>
+                  </a:solidFill>
+                </a:endParaRPr>
+              </a:p>
+            </p:txBody>
+          </p:sp>
+        </mc:Choice>
+        <mc:Fallback>
+          <p:sp>
+            <p:nvSpPr>
+              <p:cNvPr id="517" name="テキスト ボックス 516"/>
+              <p:cNvSpPr txBox="1">
+                <a:spLocks noRot="1" noChangeAspect="1" noMove="1" noResize="1" noEditPoints="1" noAdjustHandles="1" noChangeArrowheads="1" noChangeShapeType="1" noTextEdit="1"/>
+              </p:cNvSpPr>
+              <p:nvPr/>
+            </p:nvSpPr>
+            <p:spPr>
+              <a:xfrm>
+                <a:off x="3679148" y="1946344"/>
+                <a:ext cx="550087" cy="461665"/>
+              </a:xfrm>
+              <a:prstGeom prst="rect">
+                <a:avLst/>
+              </a:prstGeom>
+              <a:blipFill rotWithShape="0">
+                <a:blip r:embed="rId11"/>
+                <a:stretch>
+                  <a:fillRect b="-1316"/>
+                </a:stretch>
+              </a:blipFill>
+            </p:spPr>
+            <p:txBody>
+              <a:bodyPr/>
+              <a:lstStyle/>
+              <a:p>
+                <a:r>
+                  <a:rPr lang="ja-JP" altLang="en-US">
+                    <a:noFill/>
+                  </a:rPr>
+                  <a:t> </a:t>
+                </a:r>
+              </a:p>
+            </p:txBody>
+          </p:sp>
+        </mc:Fallback>
+      </mc:AlternateContent>
+      <mc:AlternateContent xmlns:mc="http://schemas.openxmlformats.org/markup-compatibility/2006">
+        <mc:Choice xmlns:a14="http://schemas.microsoft.com/office/drawing/2010/main" Requires="a14">
+          <p:sp>
+            <p:nvSpPr>
+              <p:cNvPr id="518" name="テキスト ボックス 517"/>
+              <p:cNvSpPr txBox="1"/>
+              <p:nvPr/>
+            </p:nvSpPr>
+            <p:spPr>
+              <a:xfrm>
+                <a:off x="3679148" y="3931624"/>
+                <a:ext cx="550086" cy="461665"/>
+              </a:xfrm>
+              <a:prstGeom prst="rect">
+                <a:avLst/>
+              </a:prstGeom>
+              <a:noFill/>
+            </p:spPr>
+            <p:txBody>
+              <a:bodyPr wrap="none" rtlCol="0">
+                <a:spAutoFit/>
+              </a:bodyPr>
+              <a:lstStyle/>
+              <a:p>
+                <a:pPr/>
+                <a14:m>
+                  <m:oMathPara xmlns:m="http://schemas.openxmlformats.org/officeDocument/2006/math">
+                    <m:oMathParaPr>
+                      <m:jc m:val="centerGroup"/>
+                    </m:oMathParaPr>
+                    <m:oMath xmlns:m="http://schemas.openxmlformats.org/officeDocument/2006/math">
+                      <m:sSub>
+                        <m:sSubPr>
+                          <m:ctrlPr>
+                            <a:rPr kumimoji="1" lang="en-US" altLang="ja-JP" sz="2400" b="0" i="1" smtClean="0">
+                              <a:solidFill>
+                                <a:schemeClr val="tx1"/>
+                              </a:solidFill>
+                              <a:latin typeface="Cambria Math" panose="02040503050406030204" pitchFamily="18" charset="0"/>
+                            </a:rPr>
+                          </m:ctrlPr>
+                        </m:sSubPr>
+                        <m:e>
+                          <m:r>
+                            <a:rPr kumimoji="1" lang="en-US" altLang="ja-JP" sz="2400" b="0" i="1" smtClean="0">
+                              <a:solidFill>
+                                <a:schemeClr val="tx1"/>
+                              </a:solidFill>
+                              <a:latin typeface="Cambria Math" panose="02040503050406030204" pitchFamily="18" charset="0"/>
+                            </a:rPr>
+                            <m:t>𝐹</m:t>
+                          </m:r>
+                        </m:e>
+                        <m:sub>
+                          <m:r>
+                            <a:rPr kumimoji="1" lang="en-US" altLang="ja-JP" sz="2400" b="0" i="1" smtClean="0">
+                              <a:solidFill>
+                                <a:schemeClr val="tx1"/>
+                              </a:solidFill>
+                              <a:latin typeface="Cambria Math" panose="02040503050406030204" pitchFamily="18" charset="0"/>
+                            </a:rPr>
+                            <m:t>3</m:t>
+                          </m:r>
+                        </m:sub>
+                      </m:sSub>
+                    </m:oMath>
+                  </m:oMathPara>
+                </a14:m>
+                <a:endParaRPr kumimoji="1" lang="ja-JP" altLang="en-US" dirty="0">
+                  <a:solidFill>
+                    <a:srgbClr val="FF0000"/>
+                  </a:solidFill>
+                </a:endParaRPr>
+              </a:p>
+            </p:txBody>
+          </p:sp>
+        </mc:Choice>
+        <mc:Fallback>
+          <p:sp>
+            <p:nvSpPr>
+              <p:cNvPr id="518" name="テキスト ボックス 517"/>
+              <p:cNvSpPr txBox="1">
+                <a:spLocks noRot="1" noChangeAspect="1" noMove="1" noResize="1" noEditPoints="1" noAdjustHandles="1" noChangeArrowheads="1" noChangeShapeType="1" noTextEdit="1"/>
+              </p:cNvSpPr>
+              <p:nvPr/>
+            </p:nvSpPr>
+            <p:spPr>
+              <a:xfrm>
+                <a:off x="3679148" y="3931624"/>
+                <a:ext cx="550086" cy="461665"/>
+              </a:xfrm>
+              <a:prstGeom prst="rect">
+                <a:avLst/>
+              </a:prstGeom>
+              <a:blipFill rotWithShape="0">
+                <a:blip r:embed="rId12"/>
                 <a:stretch>
                   <a:fillRect/>
                 </a:stretch>
@@ -42411,7 +42759,7 @@
               <p:cNvPr id="914" name="テキスト ボックス 913">
                 <a:extLst>
                   <a:ext uri="{FF2B5EF4-FFF2-40B4-BE49-F238E27FC236}">
-                    <a16:creationId xmlns:a16="http://schemas.microsoft.com/office/drawing/2014/main" xmlns="" id="{E4C3C1CC-7DFB-4879-9982-E12AF92D5157}"/>
+                    <a16:creationId xmlns="" xmlns:a16="http://schemas.microsoft.com/office/drawing/2014/main" id="{E4C3C1CC-7DFB-4879-9982-E12AF92D5157}"/>
                   </a:ext>
                 </a:extLst>
               </p:cNvPr>
@@ -42517,7 +42865,7 @@
           <p:cNvPr id="915" name="左中かっこ 914">
             <a:extLst>
               <a:ext uri="{FF2B5EF4-FFF2-40B4-BE49-F238E27FC236}">
-                <a16:creationId xmlns:a16="http://schemas.microsoft.com/office/drawing/2014/main" xmlns="" id="{7484E61E-C510-4FF0-978A-471330A22C3C}"/>
+                <a16:creationId xmlns="" xmlns:a16="http://schemas.microsoft.com/office/drawing/2014/main" id="{7484E61E-C510-4FF0-978A-471330A22C3C}"/>
               </a:ext>
             </a:extLst>
           </p:cNvPr>
@@ -42576,7 +42924,7 @@
               <p:cNvPr id="916" name="テキスト ボックス 915">
                 <a:extLst>
                   <a:ext uri="{FF2B5EF4-FFF2-40B4-BE49-F238E27FC236}">
-                    <a16:creationId xmlns:a16="http://schemas.microsoft.com/office/drawing/2014/main" xmlns="" id="{6DAFFFD6-997E-4295-8337-371E646493AD}"/>
+                    <a16:creationId xmlns="" xmlns:a16="http://schemas.microsoft.com/office/drawing/2014/main" id="{6DAFFFD6-997E-4295-8337-371E646493AD}"/>
                   </a:ext>
                 </a:extLst>
               </p:cNvPr>
@@ -42672,7 +43020,7 @@
               <p:cNvPr id="917" name="テキスト ボックス 916">
                 <a:extLst>
                   <a:ext uri="{FF2B5EF4-FFF2-40B4-BE49-F238E27FC236}">
-                    <a16:creationId xmlns:a16="http://schemas.microsoft.com/office/drawing/2014/main" xmlns="" id="{07010F26-716B-423D-9E77-19B5E202747E}"/>
+                    <a16:creationId xmlns="" xmlns:a16="http://schemas.microsoft.com/office/drawing/2014/main" id="{07010F26-716B-423D-9E77-19B5E202747E}"/>
                   </a:ext>
                 </a:extLst>
               </p:cNvPr>
@@ -42798,7 +43146,7 @@
               <p:cNvPr id="918" name="テキスト ボックス 917">
                 <a:extLst>
                   <a:ext uri="{FF2B5EF4-FFF2-40B4-BE49-F238E27FC236}">
-                    <a16:creationId xmlns:a16="http://schemas.microsoft.com/office/drawing/2014/main" xmlns="" id="{65944549-9B1C-4094-8DD6-656F7C2BBAD6}"/>
+                    <a16:creationId xmlns="" xmlns:a16="http://schemas.microsoft.com/office/drawing/2014/main" id="{65944549-9B1C-4094-8DD6-656F7C2BBAD6}"/>
                   </a:ext>
                 </a:extLst>
               </p:cNvPr>
@@ -42898,7 +43246,7 @@
           <p:cNvPr id="920" name="左中かっこ 919">
             <a:extLst>
               <a:ext uri="{FF2B5EF4-FFF2-40B4-BE49-F238E27FC236}">
-                <a16:creationId xmlns:a16="http://schemas.microsoft.com/office/drawing/2014/main" xmlns="" id="{D2B35B43-3535-4E27-BDFC-B8165A3301B0}"/>
+                <a16:creationId xmlns="" xmlns:a16="http://schemas.microsoft.com/office/drawing/2014/main" id="{D2B35B43-3535-4E27-BDFC-B8165A3301B0}"/>
               </a:ext>
             </a:extLst>
           </p:cNvPr>
@@ -42957,7 +43305,7 @@
               <p:cNvPr id="921" name="テキスト ボックス 920">
                 <a:extLst>
                   <a:ext uri="{FF2B5EF4-FFF2-40B4-BE49-F238E27FC236}">
-                    <a16:creationId xmlns:a16="http://schemas.microsoft.com/office/drawing/2014/main" xmlns="" id="{298A6F79-47C5-44F3-AA0A-54172F8B0BB3}"/>
+                    <a16:creationId xmlns="" xmlns:a16="http://schemas.microsoft.com/office/drawing/2014/main" id="{298A6F79-47C5-44F3-AA0A-54172F8B0BB3}"/>
                   </a:ext>
                 </a:extLst>
               </p:cNvPr>

--- a/図作成用パワーポイント/opgridins.pptx
+++ b/図作成用パワーポイント/opgridins.pptx
@@ -22413,8 +22413,8 @@
           </a:p>
         </p:txBody>
       </p:sp>
-      <mc:AlternateContent xmlns:mc="http://schemas.openxmlformats.org/markup-compatibility/2006">
-        <mc:Choice xmlns:a14="http://schemas.microsoft.com/office/drawing/2010/main" Requires="a14">
+      <mc:AlternateContent xmlns:mc="http://schemas.openxmlformats.org/markup-compatibility/2006" xmlns:a14="http://schemas.microsoft.com/office/drawing/2010/main">
+        <mc:Choice Requires="a14">
           <p:sp>
             <p:nvSpPr>
               <p:cNvPr id="913" name="テキスト ボックス 912"/>
@@ -22470,7 +22470,7 @@
             </p:txBody>
           </p:sp>
         </mc:Choice>
-        <mc:Fallback>
+        <mc:Fallback xmlns="">
           <p:sp>
             <p:nvSpPr>
               <p:cNvPr id="913" name="テキスト ボックス 912"/>
@@ -22509,14 +22509,14 @@
           </p:sp>
         </mc:Fallback>
       </mc:AlternateContent>
-      <mc:AlternateContent xmlns:mc="http://schemas.openxmlformats.org/markup-compatibility/2006">
-        <mc:Choice xmlns:a14="http://schemas.microsoft.com/office/drawing/2010/main" Requires="a14">
+      <mc:AlternateContent xmlns:mc="http://schemas.openxmlformats.org/markup-compatibility/2006" xmlns:a14="http://schemas.microsoft.com/office/drawing/2010/main">
+        <mc:Choice Requires="a14">
           <p:sp>
             <p:nvSpPr>
               <p:cNvPr id="914" name="テキスト ボックス 913">
                 <a:extLst>
                   <a:ext uri="{FF2B5EF4-FFF2-40B4-BE49-F238E27FC236}">
-                    <a16:creationId xmlns="" xmlns:a16="http://schemas.microsoft.com/office/drawing/2014/main" id="{E4C3C1CC-7DFB-4879-9982-E12AF92D5157}"/>
+                    <a16:creationId xmlns:a16="http://schemas.microsoft.com/office/drawing/2014/main" xmlns="" id="{E4C3C1CC-7DFB-4879-9982-E12AF92D5157}"/>
                   </a:ext>
                 </a:extLst>
               </p:cNvPr>
@@ -22572,7 +22572,7 @@
             </p:txBody>
           </p:sp>
         </mc:Choice>
-        <mc:Fallback>
+        <mc:Fallback xmlns="">
           <p:sp>
             <p:nvSpPr>
               <p:cNvPr id="914" name="テキスト ボックス 913">
@@ -22622,7 +22622,7 @@
           <p:cNvPr id="915" name="左中かっこ 914">
             <a:extLst>
               <a:ext uri="{FF2B5EF4-FFF2-40B4-BE49-F238E27FC236}">
-                <a16:creationId xmlns="" xmlns:a16="http://schemas.microsoft.com/office/drawing/2014/main" id="{7484E61E-C510-4FF0-978A-471330A22C3C}"/>
+                <a16:creationId xmlns:a16="http://schemas.microsoft.com/office/drawing/2014/main" xmlns="" id="{7484E61E-C510-4FF0-978A-471330A22C3C}"/>
               </a:ext>
             </a:extLst>
           </p:cNvPr>
@@ -22674,14 +22674,14 @@
           </a:p>
         </p:txBody>
       </p:sp>
-      <mc:AlternateContent xmlns:mc="http://schemas.openxmlformats.org/markup-compatibility/2006">
-        <mc:Choice xmlns:a14="http://schemas.microsoft.com/office/drawing/2010/main" Requires="a14">
+      <mc:AlternateContent xmlns:mc="http://schemas.openxmlformats.org/markup-compatibility/2006" xmlns:a14="http://schemas.microsoft.com/office/drawing/2010/main">
+        <mc:Choice Requires="a14">
           <p:sp>
             <p:nvSpPr>
               <p:cNvPr id="916" name="テキスト ボックス 915">
                 <a:extLst>
                   <a:ext uri="{FF2B5EF4-FFF2-40B4-BE49-F238E27FC236}">
-                    <a16:creationId xmlns="" xmlns:a16="http://schemas.microsoft.com/office/drawing/2014/main" id="{6DAFFFD6-997E-4295-8337-371E646493AD}"/>
+                    <a16:creationId xmlns:a16="http://schemas.microsoft.com/office/drawing/2014/main" xmlns="" id="{6DAFFFD6-997E-4295-8337-371E646493AD}"/>
                   </a:ext>
                 </a:extLst>
               </p:cNvPr>
@@ -22725,7 +22725,7 @@
             </p:txBody>
           </p:sp>
         </mc:Choice>
-        <mc:Fallback>
+        <mc:Fallback xmlns="">
           <p:sp>
             <p:nvSpPr>
               <p:cNvPr id="916" name="テキスト ボックス 915">
@@ -22770,14 +22770,14 @@
           </p:sp>
         </mc:Fallback>
       </mc:AlternateContent>
-      <mc:AlternateContent xmlns:mc="http://schemas.openxmlformats.org/markup-compatibility/2006">
-        <mc:Choice xmlns:a14="http://schemas.microsoft.com/office/drawing/2010/main" Requires="a14">
+      <mc:AlternateContent xmlns:mc="http://schemas.openxmlformats.org/markup-compatibility/2006" xmlns:a14="http://schemas.microsoft.com/office/drawing/2010/main">
+        <mc:Choice Requires="a14">
           <p:sp>
             <p:nvSpPr>
               <p:cNvPr id="917" name="テキスト ボックス 916">
                 <a:extLst>
                   <a:ext uri="{FF2B5EF4-FFF2-40B4-BE49-F238E27FC236}">
-                    <a16:creationId xmlns="" xmlns:a16="http://schemas.microsoft.com/office/drawing/2014/main" id="{07010F26-716B-423D-9E77-19B5E202747E}"/>
+                    <a16:creationId xmlns:a16="http://schemas.microsoft.com/office/drawing/2014/main" xmlns="" id="{07010F26-716B-423D-9E77-19B5E202747E}"/>
                   </a:ext>
                 </a:extLst>
               </p:cNvPr>
@@ -22851,7 +22851,7 @@
             </p:txBody>
           </p:sp>
         </mc:Choice>
-        <mc:Fallback>
+        <mc:Fallback xmlns="">
           <p:sp>
             <p:nvSpPr>
               <p:cNvPr id="917" name="テキスト ボックス 916">
@@ -22896,14 +22896,14 @@
           </p:sp>
         </mc:Fallback>
       </mc:AlternateContent>
-      <mc:AlternateContent xmlns:mc="http://schemas.openxmlformats.org/markup-compatibility/2006">
-        <mc:Choice xmlns:a14="http://schemas.microsoft.com/office/drawing/2010/main" Requires="a14">
+      <mc:AlternateContent xmlns:mc="http://schemas.openxmlformats.org/markup-compatibility/2006" xmlns:a14="http://schemas.microsoft.com/office/drawing/2010/main">
+        <mc:Choice Requires="a14">
           <p:sp>
             <p:nvSpPr>
               <p:cNvPr id="918" name="テキスト ボックス 917">
                 <a:extLst>
                   <a:ext uri="{FF2B5EF4-FFF2-40B4-BE49-F238E27FC236}">
-                    <a16:creationId xmlns="" xmlns:a16="http://schemas.microsoft.com/office/drawing/2014/main" id="{65944549-9B1C-4094-8DD6-656F7C2BBAD6}"/>
+                    <a16:creationId xmlns:a16="http://schemas.microsoft.com/office/drawing/2014/main" xmlns="" id="{65944549-9B1C-4094-8DD6-656F7C2BBAD6}"/>
                   </a:ext>
                 </a:extLst>
               </p:cNvPr>
@@ -22953,7 +22953,7 @@
             </p:txBody>
           </p:sp>
         </mc:Choice>
-        <mc:Fallback>
+        <mc:Fallback xmlns="">
           <p:sp>
             <p:nvSpPr>
               <p:cNvPr id="918" name="テキスト ボックス 917">
@@ -23003,7 +23003,7 @@
           <p:cNvPr id="920" name="左中かっこ 919">
             <a:extLst>
               <a:ext uri="{FF2B5EF4-FFF2-40B4-BE49-F238E27FC236}">
-                <a16:creationId xmlns="" xmlns:a16="http://schemas.microsoft.com/office/drawing/2014/main" id="{D2B35B43-3535-4E27-BDFC-B8165A3301B0}"/>
+                <a16:creationId xmlns:a16="http://schemas.microsoft.com/office/drawing/2014/main" xmlns="" id="{D2B35B43-3535-4E27-BDFC-B8165A3301B0}"/>
               </a:ext>
             </a:extLst>
           </p:cNvPr>
@@ -23055,14 +23055,14 @@
           </a:p>
         </p:txBody>
       </p:sp>
-      <mc:AlternateContent xmlns:mc="http://schemas.openxmlformats.org/markup-compatibility/2006">
-        <mc:Choice xmlns:a14="http://schemas.microsoft.com/office/drawing/2010/main" Requires="a14">
+      <mc:AlternateContent xmlns:mc="http://schemas.openxmlformats.org/markup-compatibility/2006" xmlns:a14="http://schemas.microsoft.com/office/drawing/2010/main">
+        <mc:Choice Requires="a14">
           <p:sp>
             <p:nvSpPr>
               <p:cNvPr id="921" name="テキスト ボックス 920">
                 <a:extLst>
                   <a:ext uri="{FF2B5EF4-FFF2-40B4-BE49-F238E27FC236}">
-                    <a16:creationId xmlns="" xmlns:a16="http://schemas.microsoft.com/office/drawing/2014/main" id="{298A6F79-47C5-44F3-AA0A-54172F8B0BB3}"/>
+                    <a16:creationId xmlns:a16="http://schemas.microsoft.com/office/drawing/2014/main" xmlns="" id="{298A6F79-47C5-44F3-AA0A-54172F8B0BB3}"/>
                   </a:ext>
                 </a:extLst>
               </p:cNvPr>
@@ -23112,7 +23112,7 @@
             </p:txBody>
           </p:sp>
         </mc:Choice>
-        <mc:Fallback>
+        <mc:Fallback xmlns="">
           <p:sp>
             <p:nvSpPr>
               <p:cNvPr id="921" name="テキスト ボックス 920">
@@ -23157,8 +23157,8 @@
           </p:sp>
         </mc:Fallback>
       </mc:AlternateContent>
-      <mc:AlternateContent xmlns:mc="http://schemas.openxmlformats.org/markup-compatibility/2006">
-        <mc:Choice xmlns:a14="http://schemas.microsoft.com/office/drawing/2010/main" Requires="a14">
+      <mc:AlternateContent xmlns:mc="http://schemas.openxmlformats.org/markup-compatibility/2006" xmlns:a14="http://schemas.microsoft.com/office/drawing/2010/main">
+        <mc:Choice Requires="a14">
           <p:sp>
             <p:nvSpPr>
               <p:cNvPr id="922" name="テキスト ボックス 921"/>
@@ -23234,7 +23234,7 @@
             </p:txBody>
           </p:sp>
         </mc:Choice>
-        <mc:Fallback>
+        <mc:Fallback xmlns="">
           <p:sp>
             <p:nvSpPr>
               <p:cNvPr id="922" name="テキスト ボックス 921"/>
@@ -23351,8 +23351,8 @@
           </a:p>
         </p:txBody>
       </p:sp>
-      <mc:AlternateContent xmlns:mc="http://schemas.openxmlformats.org/markup-compatibility/2006">
-        <mc:Choice xmlns:a14="http://schemas.microsoft.com/office/drawing/2010/main" Requires="a14">
+      <mc:AlternateContent xmlns:mc="http://schemas.openxmlformats.org/markup-compatibility/2006" xmlns:a14="http://schemas.microsoft.com/office/drawing/2010/main">
+        <mc:Choice Requires="a14">
           <p:sp>
             <p:nvSpPr>
               <p:cNvPr id="925" name="テキスト ボックス 924"/>
@@ -23428,7 +23428,7 @@
             </p:txBody>
           </p:sp>
         </mc:Choice>
-        <mc:Fallback>
+        <mc:Fallback xmlns="">
           <p:sp>
             <p:nvSpPr>
               <p:cNvPr id="925" name="テキスト ボックス 924"/>
@@ -23467,8 +23467,8 @@
           </p:sp>
         </mc:Fallback>
       </mc:AlternateContent>
-      <mc:AlternateContent xmlns:mc="http://schemas.openxmlformats.org/markup-compatibility/2006">
-        <mc:Choice xmlns:a14="http://schemas.microsoft.com/office/drawing/2010/main" Requires="a14">
+      <mc:AlternateContent xmlns:mc="http://schemas.openxmlformats.org/markup-compatibility/2006" xmlns:a14="http://schemas.microsoft.com/office/drawing/2010/main">
+        <mc:Choice Requires="a14">
           <p:sp>
             <p:nvSpPr>
               <p:cNvPr id="516" name="テキスト ボックス 515"/>
@@ -23544,7 +23544,7 @@
             </p:txBody>
           </p:sp>
         </mc:Choice>
-        <mc:Fallback>
+        <mc:Fallback xmlns="">
           <p:sp>
             <p:nvSpPr>
               <p:cNvPr id="516" name="テキスト ボックス 515"/>
@@ -23583,8 +23583,8 @@
           </p:sp>
         </mc:Fallback>
       </mc:AlternateContent>
-      <mc:AlternateContent xmlns:mc="http://schemas.openxmlformats.org/markup-compatibility/2006">
-        <mc:Choice xmlns:a14="http://schemas.microsoft.com/office/drawing/2010/main" Requires="a14">
+      <mc:AlternateContent xmlns:mc="http://schemas.openxmlformats.org/markup-compatibility/2006" xmlns:a14="http://schemas.microsoft.com/office/drawing/2010/main">
+        <mc:Choice Requires="a14">
           <p:sp>
             <p:nvSpPr>
               <p:cNvPr id="517" name="テキスト ボックス 516"/>
@@ -23660,7 +23660,7 @@
             </p:txBody>
           </p:sp>
         </mc:Choice>
-        <mc:Fallback>
+        <mc:Fallback xmlns="">
           <p:sp>
             <p:nvSpPr>
               <p:cNvPr id="517" name="テキスト ボックス 516"/>
@@ -23699,8 +23699,8 @@
           </p:sp>
         </mc:Fallback>
       </mc:AlternateContent>
-      <mc:AlternateContent xmlns:mc="http://schemas.openxmlformats.org/markup-compatibility/2006">
-        <mc:Choice xmlns:a14="http://schemas.microsoft.com/office/drawing/2010/main" Requires="a14">
+      <mc:AlternateContent xmlns:mc="http://schemas.openxmlformats.org/markup-compatibility/2006" xmlns:a14="http://schemas.microsoft.com/office/drawing/2010/main">
+        <mc:Choice Requires="a14">
           <p:sp>
             <p:nvSpPr>
               <p:cNvPr id="518" name="テキスト ボックス 517"/>
@@ -23776,7 +23776,7 @@
             </p:txBody>
           </p:sp>
         </mc:Choice>
-        <mc:Fallback>
+        <mc:Fallback xmlns="">
           <p:sp>
             <p:nvSpPr>
               <p:cNvPr id="518" name="テキスト ボックス 517"/>
@@ -23795,6 +23795,702 @@
               </a:prstGeom>
               <a:blipFill rotWithShape="0">
                 <a:blip r:embed="rId12"/>
+                <a:stretch>
+                  <a:fillRect/>
+                </a:stretch>
+              </a:blipFill>
+            </p:spPr>
+            <p:txBody>
+              <a:bodyPr/>
+              <a:lstStyle/>
+              <a:p>
+                <a:r>
+                  <a:rPr lang="ja-JP" altLang="en-US">
+                    <a:noFill/>
+                  </a:rPr>
+                  <a:t> </a:t>
+                </a:r>
+              </a:p>
+            </p:txBody>
+          </p:sp>
+        </mc:Fallback>
+      </mc:AlternateContent>
+      <mc:AlternateContent xmlns:mc="http://schemas.openxmlformats.org/markup-compatibility/2006">
+        <mc:Choice xmlns:a14="http://schemas.microsoft.com/office/drawing/2010/main" Requires="a14">
+          <p:sp>
+            <p:nvSpPr>
+              <p:cNvPr id="519" name="テキスト ボックス 518"/>
+              <p:cNvSpPr txBox="1"/>
+              <p:nvPr/>
+            </p:nvSpPr>
+            <p:spPr>
+              <a:xfrm>
+                <a:off x="5900315" y="-84750"/>
+                <a:ext cx="587725" cy="461665"/>
+              </a:xfrm>
+              <a:prstGeom prst="rect">
+                <a:avLst/>
+              </a:prstGeom>
+              <a:noFill/>
+            </p:spPr>
+            <p:txBody>
+              <a:bodyPr wrap="none" rtlCol="0">
+                <a:spAutoFit/>
+              </a:bodyPr>
+              <a:lstStyle/>
+              <a:p>
+                <a:pPr/>
+                <a14:m>
+                  <m:oMathPara xmlns:m="http://schemas.openxmlformats.org/officeDocument/2006/math">
+                    <m:oMathParaPr>
+                      <m:jc m:val="centerGroup"/>
+                    </m:oMathParaPr>
+                    <m:oMath xmlns:m="http://schemas.openxmlformats.org/officeDocument/2006/math">
+                      <m:sSub>
+                        <m:sSubPr>
+                          <m:ctrlPr>
+                            <a:rPr kumimoji="1" lang="en-US" altLang="ja-JP" sz="2400" b="0" i="1" smtClean="0">
+                              <a:solidFill>
+                                <a:schemeClr val="tx1"/>
+                              </a:solidFill>
+                              <a:latin typeface="Cambria Math" panose="02040503050406030204" pitchFamily="18" charset="0"/>
+                            </a:rPr>
+                          </m:ctrlPr>
+                        </m:sSubPr>
+                        <m:e>
+                          <m:r>
+                            <a:rPr kumimoji="1" lang="en-US" altLang="ja-JP" sz="2400" b="0" i="1" smtClean="0">
+                              <a:solidFill>
+                                <a:schemeClr val="tx1"/>
+                              </a:solidFill>
+                              <a:latin typeface="Cambria Math" panose="02040503050406030204" pitchFamily="18" charset="0"/>
+                            </a:rPr>
+                            <m:t>𝑄</m:t>
+                          </m:r>
+                        </m:e>
+                        <m:sub>
+                          <m:r>
+                            <a:rPr kumimoji="1" lang="en-US" altLang="ja-JP" sz="2400" b="0" i="1" smtClean="0">
+                              <a:solidFill>
+                                <a:schemeClr val="tx1"/>
+                              </a:solidFill>
+                              <a:latin typeface="Cambria Math" panose="02040503050406030204" pitchFamily="18" charset="0"/>
+                            </a:rPr>
+                            <m:t>1</m:t>
+                          </m:r>
+                        </m:sub>
+                      </m:sSub>
+                    </m:oMath>
+                  </m:oMathPara>
+                </a14:m>
+                <a:endParaRPr kumimoji="1" lang="ja-JP" altLang="en-US" dirty="0">
+                  <a:solidFill>
+                    <a:srgbClr val="FF0000"/>
+                  </a:solidFill>
+                </a:endParaRPr>
+              </a:p>
+            </p:txBody>
+          </p:sp>
+        </mc:Choice>
+        <mc:Fallback>
+          <p:sp>
+            <p:nvSpPr>
+              <p:cNvPr id="519" name="テキスト ボックス 518"/>
+              <p:cNvSpPr txBox="1">
+                <a:spLocks noRot="1" noChangeAspect="1" noMove="1" noResize="1" noEditPoints="1" noAdjustHandles="1" noChangeArrowheads="1" noChangeShapeType="1" noTextEdit="1"/>
+              </p:cNvSpPr>
+              <p:nvPr/>
+            </p:nvSpPr>
+            <p:spPr>
+              <a:xfrm>
+                <a:off x="5900315" y="-84750"/>
+                <a:ext cx="587725" cy="461665"/>
+              </a:xfrm>
+              <a:prstGeom prst="rect">
+                <a:avLst/>
+              </a:prstGeom>
+              <a:blipFill rotWithShape="0">
+                <a:blip r:embed="rId13"/>
+                <a:stretch>
+                  <a:fillRect l="-1042" b="-13158"/>
+                </a:stretch>
+              </a:blipFill>
+            </p:spPr>
+            <p:txBody>
+              <a:bodyPr/>
+              <a:lstStyle/>
+              <a:p>
+                <a:r>
+                  <a:rPr lang="ja-JP" altLang="en-US">
+                    <a:noFill/>
+                  </a:rPr>
+                  <a:t> </a:t>
+                </a:r>
+              </a:p>
+            </p:txBody>
+          </p:sp>
+        </mc:Fallback>
+      </mc:AlternateContent>
+      <mc:AlternateContent xmlns:mc="http://schemas.openxmlformats.org/markup-compatibility/2006">
+        <mc:Choice xmlns:a14="http://schemas.microsoft.com/office/drawing/2010/main" Requires="a14">
+          <p:sp>
+            <p:nvSpPr>
+              <p:cNvPr id="520" name="テキスト ボックス 519"/>
+              <p:cNvSpPr txBox="1"/>
+              <p:nvPr/>
+            </p:nvSpPr>
+            <p:spPr>
+              <a:xfrm>
+                <a:off x="5900315" y="1946344"/>
+                <a:ext cx="594843" cy="461665"/>
+              </a:xfrm>
+              <a:prstGeom prst="rect">
+                <a:avLst/>
+              </a:prstGeom>
+              <a:noFill/>
+            </p:spPr>
+            <p:txBody>
+              <a:bodyPr wrap="none" rtlCol="0">
+                <a:spAutoFit/>
+              </a:bodyPr>
+              <a:lstStyle/>
+              <a:p>
+                <a:pPr/>
+                <a14:m>
+                  <m:oMathPara xmlns:m="http://schemas.openxmlformats.org/officeDocument/2006/math">
+                    <m:oMathParaPr>
+                      <m:jc m:val="centerGroup"/>
+                    </m:oMathParaPr>
+                    <m:oMath xmlns:m="http://schemas.openxmlformats.org/officeDocument/2006/math">
+                      <m:sSub>
+                        <m:sSubPr>
+                          <m:ctrlPr>
+                            <a:rPr kumimoji="1" lang="en-US" altLang="ja-JP" sz="2400" b="0" i="1" smtClean="0">
+                              <a:solidFill>
+                                <a:schemeClr val="tx1"/>
+                              </a:solidFill>
+                              <a:latin typeface="Cambria Math" panose="02040503050406030204" pitchFamily="18" charset="0"/>
+                            </a:rPr>
+                          </m:ctrlPr>
+                        </m:sSubPr>
+                        <m:e>
+                          <m:r>
+                            <a:rPr kumimoji="1" lang="en-US" altLang="ja-JP" sz="2400" b="0" i="1" smtClean="0">
+                              <a:solidFill>
+                                <a:schemeClr val="tx1"/>
+                              </a:solidFill>
+                              <a:latin typeface="Cambria Math" panose="02040503050406030204" pitchFamily="18" charset="0"/>
+                            </a:rPr>
+                            <m:t>𝑄</m:t>
+                          </m:r>
+                        </m:e>
+                        <m:sub>
+                          <m:r>
+                            <a:rPr kumimoji="1" lang="en-US" altLang="ja-JP" sz="2400" b="0" i="1" smtClean="0">
+                              <a:solidFill>
+                                <a:schemeClr val="tx1"/>
+                              </a:solidFill>
+                              <a:latin typeface="Cambria Math" panose="02040503050406030204" pitchFamily="18" charset="0"/>
+                            </a:rPr>
+                            <m:t>2</m:t>
+                          </m:r>
+                        </m:sub>
+                      </m:sSub>
+                    </m:oMath>
+                  </m:oMathPara>
+                </a14:m>
+                <a:endParaRPr kumimoji="1" lang="ja-JP" altLang="en-US" dirty="0">
+                  <a:solidFill>
+                    <a:srgbClr val="FF0000"/>
+                  </a:solidFill>
+                </a:endParaRPr>
+              </a:p>
+            </p:txBody>
+          </p:sp>
+        </mc:Choice>
+        <mc:Fallback>
+          <p:sp>
+            <p:nvSpPr>
+              <p:cNvPr id="520" name="テキスト ボックス 519"/>
+              <p:cNvSpPr txBox="1">
+                <a:spLocks noRot="1" noChangeAspect="1" noMove="1" noResize="1" noEditPoints="1" noAdjustHandles="1" noChangeArrowheads="1" noChangeShapeType="1" noTextEdit="1"/>
+              </p:cNvSpPr>
+              <p:nvPr/>
+            </p:nvSpPr>
+            <p:spPr>
+              <a:xfrm>
+                <a:off x="5900315" y="1946344"/>
+                <a:ext cx="594843" cy="461665"/>
+              </a:xfrm>
+              <a:prstGeom prst="rect">
+                <a:avLst/>
+              </a:prstGeom>
+              <a:blipFill rotWithShape="0">
+                <a:blip r:embed="rId14"/>
+                <a:stretch>
+                  <a:fillRect l="-1031" b="-13158"/>
+                </a:stretch>
+              </a:blipFill>
+            </p:spPr>
+            <p:txBody>
+              <a:bodyPr/>
+              <a:lstStyle/>
+              <a:p>
+                <a:r>
+                  <a:rPr lang="ja-JP" altLang="en-US">
+                    <a:noFill/>
+                  </a:rPr>
+                  <a:t> </a:t>
+                </a:r>
+              </a:p>
+            </p:txBody>
+          </p:sp>
+        </mc:Fallback>
+      </mc:AlternateContent>
+      <mc:AlternateContent xmlns:mc="http://schemas.openxmlformats.org/markup-compatibility/2006">
+        <mc:Choice xmlns:a14="http://schemas.microsoft.com/office/drawing/2010/main" Requires="a14">
+          <p:sp>
+            <p:nvSpPr>
+              <p:cNvPr id="521" name="テキスト ボックス 520"/>
+              <p:cNvSpPr txBox="1"/>
+              <p:nvPr/>
+            </p:nvSpPr>
+            <p:spPr>
+              <a:xfrm>
+                <a:off x="5900315" y="3931624"/>
+                <a:ext cx="594843" cy="461665"/>
+              </a:xfrm>
+              <a:prstGeom prst="rect">
+                <a:avLst/>
+              </a:prstGeom>
+              <a:noFill/>
+            </p:spPr>
+            <p:txBody>
+              <a:bodyPr wrap="none" rtlCol="0">
+                <a:spAutoFit/>
+              </a:bodyPr>
+              <a:lstStyle/>
+              <a:p>
+                <a:pPr/>
+                <a14:m>
+                  <m:oMathPara xmlns:m="http://schemas.openxmlformats.org/officeDocument/2006/math">
+                    <m:oMathParaPr>
+                      <m:jc m:val="centerGroup"/>
+                    </m:oMathParaPr>
+                    <m:oMath xmlns:m="http://schemas.openxmlformats.org/officeDocument/2006/math">
+                      <m:sSub>
+                        <m:sSubPr>
+                          <m:ctrlPr>
+                            <a:rPr kumimoji="1" lang="en-US" altLang="ja-JP" sz="2400" b="0" i="1" smtClean="0">
+                              <a:solidFill>
+                                <a:schemeClr val="tx1"/>
+                              </a:solidFill>
+                              <a:latin typeface="Cambria Math" panose="02040503050406030204" pitchFamily="18" charset="0"/>
+                            </a:rPr>
+                          </m:ctrlPr>
+                        </m:sSubPr>
+                        <m:e>
+                          <m:r>
+                            <a:rPr kumimoji="1" lang="en-US" altLang="ja-JP" sz="2400" b="0" i="1" smtClean="0">
+                              <a:solidFill>
+                                <a:schemeClr val="tx1"/>
+                              </a:solidFill>
+                              <a:latin typeface="Cambria Math" panose="02040503050406030204" pitchFamily="18" charset="0"/>
+                            </a:rPr>
+                            <m:t>𝑄</m:t>
+                          </m:r>
+                        </m:e>
+                        <m:sub>
+                          <m:r>
+                            <a:rPr kumimoji="1" lang="en-US" altLang="ja-JP" sz="2400" b="0" i="1" smtClean="0">
+                              <a:solidFill>
+                                <a:schemeClr val="tx1"/>
+                              </a:solidFill>
+                              <a:latin typeface="Cambria Math" panose="02040503050406030204" pitchFamily="18" charset="0"/>
+                            </a:rPr>
+                            <m:t>3</m:t>
+                          </m:r>
+                        </m:sub>
+                      </m:sSub>
+                    </m:oMath>
+                  </m:oMathPara>
+                </a14:m>
+                <a:endParaRPr kumimoji="1" lang="ja-JP" altLang="en-US" dirty="0">
+                  <a:solidFill>
+                    <a:srgbClr val="FF0000"/>
+                  </a:solidFill>
+                </a:endParaRPr>
+              </a:p>
+            </p:txBody>
+          </p:sp>
+        </mc:Choice>
+        <mc:Fallback>
+          <p:sp>
+            <p:nvSpPr>
+              <p:cNvPr id="521" name="テキスト ボックス 520"/>
+              <p:cNvSpPr txBox="1">
+                <a:spLocks noRot="1" noChangeAspect="1" noMove="1" noResize="1" noEditPoints="1" noAdjustHandles="1" noChangeArrowheads="1" noChangeShapeType="1" noTextEdit="1"/>
+              </p:cNvSpPr>
+              <p:nvPr/>
+            </p:nvSpPr>
+            <p:spPr>
+              <a:xfrm>
+                <a:off x="5900315" y="3931624"/>
+                <a:ext cx="594843" cy="461665"/>
+              </a:xfrm>
+              <a:prstGeom prst="rect">
+                <a:avLst/>
+              </a:prstGeom>
+              <a:blipFill rotWithShape="0">
+                <a:blip r:embed="rId15"/>
+                <a:stretch>
+                  <a:fillRect l="-1031" b="-11842"/>
+                </a:stretch>
+              </a:blipFill>
+            </p:spPr>
+            <p:txBody>
+              <a:bodyPr/>
+              <a:lstStyle/>
+              <a:p>
+                <a:r>
+                  <a:rPr lang="ja-JP" altLang="en-US">
+                    <a:noFill/>
+                  </a:rPr>
+                  <a:t> </a:t>
+                </a:r>
+              </a:p>
+            </p:txBody>
+          </p:sp>
+        </mc:Fallback>
+      </mc:AlternateContent>
+      <mc:AlternateContent xmlns:mc="http://schemas.openxmlformats.org/markup-compatibility/2006">
+        <mc:Choice xmlns:a14="http://schemas.microsoft.com/office/drawing/2010/main" Requires="a14">
+          <p:sp>
+            <p:nvSpPr>
+              <p:cNvPr id="522" name="テキスト ボックス 521"/>
+              <p:cNvSpPr txBox="1"/>
+              <p:nvPr/>
+            </p:nvSpPr>
+            <p:spPr>
+              <a:xfrm>
+                <a:off x="1598940" y="-84750"/>
+                <a:ext cx="546752" cy="461665"/>
+              </a:xfrm>
+              <a:prstGeom prst="rect">
+                <a:avLst/>
+              </a:prstGeom>
+              <a:noFill/>
+            </p:spPr>
+            <p:txBody>
+              <a:bodyPr wrap="none" rtlCol="0">
+                <a:spAutoFit/>
+              </a:bodyPr>
+              <a:lstStyle/>
+              <a:p>
+                <a:pPr/>
+                <a14:m>
+                  <m:oMathPara xmlns:m="http://schemas.openxmlformats.org/officeDocument/2006/math">
+                    <m:oMathParaPr>
+                      <m:jc m:val="centerGroup"/>
+                    </m:oMathParaPr>
+                    <m:oMath xmlns:m="http://schemas.openxmlformats.org/officeDocument/2006/math">
+                      <m:sSub>
+                        <m:sSubPr>
+                          <m:ctrlPr>
+                            <a:rPr kumimoji="1" lang="en-US" altLang="ja-JP" sz="2400" b="0" i="1" smtClean="0">
+                              <a:solidFill>
+                                <a:schemeClr val="tx1"/>
+                              </a:solidFill>
+                              <a:latin typeface="Cambria Math" panose="02040503050406030204" pitchFamily="18" charset="0"/>
+                            </a:rPr>
+                          </m:ctrlPr>
+                        </m:sSubPr>
+                        <m:e>
+                          <m:r>
+                            <a:rPr kumimoji="1" lang="en-US" altLang="ja-JP" sz="2400" b="0" i="1" smtClean="0">
+                              <a:solidFill>
+                                <a:schemeClr val="tx1"/>
+                              </a:solidFill>
+                              <a:latin typeface="Cambria Math" panose="02040503050406030204" pitchFamily="18" charset="0"/>
+                            </a:rPr>
+                            <m:t>𝑃</m:t>
+                          </m:r>
+                        </m:e>
+                        <m:sub>
+                          <m:r>
+                            <a:rPr kumimoji="1" lang="en-US" altLang="ja-JP" sz="2400" b="0" i="1" smtClean="0">
+                              <a:solidFill>
+                                <a:schemeClr val="tx1"/>
+                              </a:solidFill>
+                              <a:latin typeface="Cambria Math" panose="02040503050406030204" pitchFamily="18" charset="0"/>
+                            </a:rPr>
+                            <m:t>1</m:t>
+                          </m:r>
+                        </m:sub>
+                      </m:sSub>
+                    </m:oMath>
+                  </m:oMathPara>
+                </a14:m>
+                <a:endParaRPr kumimoji="1" lang="ja-JP" altLang="en-US" dirty="0">
+                  <a:solidFill>
+                    <a:srgbClr val="FF0000"/>
+                  </a:solidFill>
+                </a:endParaRPr>
+              </a:p>
+            </p:txBody>
+          </p:sp>
+        </mc:Choice>
+        <mc:Fallback>
+          <p:sp>
+            <p:nvSpPr>
+              <p:cNvPr id="522" name="テキスト ボックス 521"/>
+              <p:cNvSpPr txBox="1">
+                <a:spLocks noRot="1" noChangeAspect="1" noMove="1" noResize="1" noEditPoints="1" noAdjustHandles="1" noChangeArrowheads="1" noChangeShapeType="1" noTextEdit="1"/>
+              </p:cNvSpPr>
+              <p:nvPr/>
+            </p:nvSpPr>
+            <p:spPr>
+              <a:xfrm>
+                <a:off x="1598940" y="-84750"/>
+                <a:ext cx="546752" cy="461665"/>
+              </a:xfrm>
+              <a:prstGeom prst="rect">
+                <a:avLst/>
+              </a:prstGeom>
+              <a:blipFill rotWithShape="0">
+                <a:blip r:embed="rId16"/>
+                <a:stretch>
+                  <a:fillRect b="-1316"/>
+                </a:stretch>
+              </a:blipFill>
+            </p:spPr>
+            <p:txBody>
+              <a:bodyPr/>
+              <a:lstStyle/>
+              <a:p>
+                <a:r>
+                  <a:rPr lang="ja-JP" altLang="en-US">
+                    <a:noFill/>
+                  </a:rPr>
+                  <a:t> </a:t>
+                </a:r>
+              </a:p>
+            </p:txBody>
+          </p:sp>
+        </mc:Fallback>
+      </mc:AlternateContent>
+      <mc:AlternateContent xmlns:mc="http://schemas.openxmlformats.org/markup-compatibility/2006">
+        <mc:Choice xmlns:a14="http://schemas.microsoft.com/office/drawing/2010/main" Requires="a14">
+          <p:sp>
+            <p:nvSpPr>
+              <p:cNvPr id="529" name="テキスト ボックス 528"/>
+              <p:cNvSpPr txBox="1"/>
+              <p:nvPr/>
+            </p:nvSpPr>
+            <p:spPr>
+              <a:xfrm>
+                <a:off x="1598940" y="1946344"/>
+                <a:ext cx="553870" cy="461665"/>
+              </a:xfrm>
+              <a:prstGeom prst="rect">
+                <a:avLst/>
+              </a:prstGeom>
+              <a:noFill/>
+            </p:spPr>
+            <p:txBody>
+              <a:bodyPr wrap="none" rtlCol="0">
+                <a:spAutoFit/>
+              </a:bodyPr>
+              <a:lstStyle/>
+              <a:p>
+                <a:pPr/>
+                <a14:m>
+                  <m:oMathPara xmlns:m="http://schemas.openxmlformats.org/officeDocument/2006/math">
+                    <m:oMathParaPr>
+                      <m:jc m:val="centerGroup"/>
+                    </m:oMathParaPr>
+                    <m:oMath xmlns:m="http://schemas.openxmlformats.org/officeDocument/2006/math">
+                      <m:sSub>
+                        <m:sSubPr>
+                          <m:ctrlPr>
+                            <a:rPr kumimoji="1" lang="en-US" altLang="ja-JP" sz="2400" b="0" i="1" smtClean="0">
+                              <a:solidFill>
+                                <a:schemeClr val="tx1"/>
+                              </a:solidFill>
+                              <a:latin typeface="Cambria Math" panose="02040503050406030204" pitchFamily="18" charset="0"/>
+                            </a:rPr>
+                          </m:ctrlPr>
+                        </m:sSubPr>
+                        <m:e>
+                          <m:r>
+                            <a:rPr kumimoji="1" lang="en-US" altLang="ja-JP" sz="2400" b="0" i="1" smtClean="0">
+                              <a:solidFill>
+                                <a:schemeClr val="tx1"/>
+                              </a:solidFill>
+                              <a:latin typeface="Cambria Math" panose="02040503050406030204" pitchFamily="18" charset="0"/>
+                            </a:rPr>
+                            <m:t>𝑃</m:t>
+                          </m:r>
+                        </m:e>
+                        <m:sub>
+                          <m:r>
+                            <a:rPr kumimoji="1" lang="en-US" altLang="ja-JP" sz="2400" b="0" i="1" smtClean="0">
+                              <a:solidFill>
+                                <a:schemeClr val="tx1"/>
+                              </a:solidFill>
+                              <a:latin typeface="Cambria Math" panose="02040503050406030204" pitchFamily="18" charset="0"/>
+                            </a:rPr>
+                            <m:t>2</m:t>
+                          </m:r>
+                        </m:sub>
+                      </m:sSub>
+                    </m:oMath>
+                  </m:oMathPara>
+                </a14:m>
+                <a:endParaRPr kumimoji="1" lang="ja-JP" altLang="en-US" dirty="0">
+                  <a:solidFill>
+                    <a:srgbClr val="FF0000"/>
+                  </a:solidFill>
+                </a:endParaRPr>
+              </a:p>
+            </p:txBody>
+          </p:sp>
+        </mc:Choice>
+        <mc:Fallback>
+          <p:sp>
+            <p:nvSpPr>
+              <p:cNvPr id="529" name="テキスト ボックス 528"/>
+              <p:cNvSpPr txBox="1">
+                <a:spLocks noRot="1" noChangeAspect="1" noMove="1" noResize="1" noEditPoints="1" noAdjustHandles="1" noChangeArrowheads="1" noChangeShapeType="1" noTextEdit="1"/>
+              </p:cNvSpPr>
+              <p:nvPr/>
+            </p:nvSpPr>
+            <p:spPr>
+              <a:xfrm>
+                <a:off x="1598940" y="1946344"/>
+                <a:ext cx="553870" cy="461665"/>
+              </a:xfrm>
+              <a:prstGeom prst="rect">
+                <a:avLst/>
+              </a:prstGeom>
+              <a:blipFill rotWithShape="0">
+                <a:blip r:embed="rId17"/>
+                <a:stretch>
+                  <a:fillRect b="-1316"/>
+                </a:stretch>
+              </a:blipFill>
+            </p:spPr>
+            <p:txBody>
+              <a:bodyPr/>
+              <a:lstStyle/>
+              <a:p>
+                <a:r>
+                  <a:rPr lang="ja-JP" altLang="en-US">
+                    <a:noFill/>
+                  </a:rPr>
+                  <a:t> </a:t>
+                </a:r>
+              </a:p>
+            </p:txBody>
+          </p:sp>
+        </mc:Fallback>
+      </mc:AlternateContent>
+      <mc:AlternateContent xmlns:mc="http://schemas.openxmlformats.org/markup-compatibility/2006">
+        <mc:Choice xmlns:a14="http://schemas.microsoft.com/office/drawing/2010/main" Requires="a14">
+          <p:sp>
+            <p:nvSpPr>
+              <p:cNvPr id="554" name="テキスト ボックス 553"/>
+              <p:cNvSpPr txBox="1"/>
+              <p:nvPr/>
+            </p:nvSpPr>
+            <p:spPr>
+              <a:xfrm>
+                <a:off x="1598940" y="3931624"/>
+                <a:ext cx="550086" cy="461665"/>
+              </a:xfrm>
+              <a:prstGeom prst="rect">
+                <a:avLst/>
+              </a:prstGeom>
+              <a:noFill/>
+            </p:spPr>
+            <p:txBody>
+              <a:bodyPr wrap="none" rtlCol="0">
+                <a:spAutoFit/>
+              </a:bodyPr>
+              <a:lstStyle/>
+              <a:p>
+                <a:pPr/>
+                <a14:m>
+                  <m:oMathPara xmlns:m="http://schemas.openxmlformats.org/officeDocument/2006/math">
+                    <m:oMathParaPr>
+                      <m:jc m:val="centerGroup"/>
+                    </m:oMathParaPr>
+                    <m:oMath xmlns:m="http://schemas.openxmlformats.org/officeDocument/2006/math">
+                      <m:sSub>
+                        <m:sSubPr>
+                          <m:ctrlPr>
+                            <a:rPr kumimoji="1" lang="en-US" altLang="ja-JP" sz="2400" b="0" i="1" smtClean="0">
+                              <a:solidFill>
+                                <a:schemeClr val="tx1"/>
+                              </a:solidFill>
+                              <a:latin typeface="Cambria Math" panose="02040503050406030204" pitchFamily="18" charset="0"/>
+                            </a:rPr>
+                          </m:ctrlPr>
+                        </m:sSubPr>
+                        <m:e>
+                          <m:r>
+                            <a:rPr kumimoji="1" lang="en-US" altLang="ja-JP" sz="2400" b="0" i="1" smtClean="0">
+                              <a:solidFill>
+                                <a:schemeClr val="tx1"/>
+                              </a:solidFill>
+                              <a:latin typeface="Cambria Math" panose="02040503050406030204" pitchFamily="18" charset="0"/>
+                            </a:rPr>
+                            <m:t>𝑃</m:t>
+                          </m:r>
+                        </m:e>
+                        <m:sub>
+                          <m:r>
+                            <a:rPr kumimoji="1" lang="en-US" altLang="ja-JP" sz="2400" b="0" i="1" smtClean="0">
+                              <a:solidFill>
+                                <a:schemeClr val="tx1"/>
+                              </a:solidFill>
+                              <a:latin typeface="Cambria Math" panose="02040503050406030204" pitchFamily="18" charset="0"/>
+                            </a:rPr>
+                            <m:t>3</m:t>
+                          </m:r>
+                        </m:sub>
+                      </m:sSub>
+                    </m:oMath>
+                  </m:oMathPara>
+                </a14:m>
+                <a:endParaRPr kumimoji="1" lang="ja-JP" altLang="en-US" dirty="0">
+                  <a:solidFill>
+                    <a:srgbClr val="FF0000"/>
+                  </a:solidFill>
+                </a:endParaRPr>
+              </a:p>
+            </p:txBody>
+          </p:sp>
+        </mc:Choice>
+        <mc:Fallback>
+          <p:sp>
+            <p:nvSpPr>
+              <p:cNvPr id="554" name="テキスト ボックス 553"/>
+              <p:cNvSpPr txBox="1">
+                <a:spLocks noRot="1" noChangeAspect="1" noMove="1" noResize="1" noEditPoints="1" noAdjustHandles="1" noChangeArrowheads="1" noChangeShapeType="1" noTextEdit="1"/>
+              </p:cNvSpPr>
+              <p:nvPr/>
+            </p:nvSpPr>
+            <p:spPr>
+              <a:xfrm>
+                <a:off x="1598940" y="3931624"/>
+                <a:ext cx="550086" cy="461665"/>
+              </a:xfrm>
+              <a:prstGeom prst="rect">
+                <a:avLst/>
+              </a:prstGeom>
+              <a:blipFill rotWithShape="0">
+                <a:blip r:embed="rId18"/>
                 <a:stretch>
                   <a:fillRect/>
                 </a:stretch>
@@ -42759,7 +43455,7 @@
               <p:cNvPr id="914" name="テキスト ボックス 913">
                 <a:extLst>
                   <a:ext uri="{FF2B5EF4-FFF2-40B4-BE49-F238E27FC236}">
-                    <a16:creationId xmlns="" xmlns:a16="http://schemas.microsoft.com/office/drawing/2014/main" id="{E4C3C1CC-7DFB-4879-9982-E12AF92D5157}"/>
+                    <a16:creationId xmlns:a16="http://schemas.microsoft.com/office/drawing/2014/main" xmlns="" id="{E4C3C1CC-7DFB-4879-9982-E12AF92D5157}"/>
                   </a:ext>
                 </a:extLst>
               </p:cNvPr>
@@ -42865,7 +43561,7 @@
           <p:cNvPr id="915" name="左中かっこ 914">
             <a:extLst>
               <a:ext uri="{FF2B5EF4-FFF2-40B4-BE49-F238E27FC236}">
-                <a16:creationId xmlns="" xmlns:a16="http://schemas.microsoft.com/office/drawing/2014/main" id="{7484E61E-C510-4FF0-978A-471330A22C3C}"/>
+                <a16:creationId xmlns:a16="http://schemas.microsoft.com/office/drawing/2014/main" xmlns="" id="{7484E61E-C510-4FF0-978A-471330A22C3C}"/>
               </a:ext>
             </a:extLst>
           </p:cNvPr>
@@ -42924,7 +43620,7 @@
               <p:cNvPr id="916" name="テキスト ボックス 915">
                 <a:extLst>
                   <a:ext uri="{FF2B5EF4-FFF2-40B4-BE49-F238E27FC236}">
-                    <a16:creationId xmlns="" xmlns:a16="http://schemas.microsoft.com/office/drawing/2014/main" id="{6DAFFFD6-997E-4295-8337-371E646493AD}"/>
+                    <a16:creationId xmlns:a16="http://schemas.microsoft.com/office/drawing/2014/main" xmlns="" id="{6DAFFFD6-997E-4295-8337-371E646493AD}"/>
                   </a:ext>
                 </a:extLst>
               </p:cNvPr>
@@ -43020,7 +43716,7 @@
               <p:cNvPr id="917" name="テキスト ボックス 916">
                 <a:extLst>
                   <a:ext uri="{FF2B5EF4-FFF2-40B4-BE49-F238E27FC236}">
-                    <a16:creationId xmlns="" xmlns:a16="http://schemas.microsoft.com/office/drawing/2014/main" id="{07010F26-716B-423D-9E77-19B5E202747E}"/>
+                    <a16:creationId xmlns:a16="http://schemas.microsoft.com/office/drawing/2014/main" xmlns="" id="{07010F26-716B-423D-9E77-19B5E202747E}"/>
                   </a:ext>
                 </a:extLst>
               </p:cNvPr>
@@ -43146,7 +43842,7 @@
               <p:cNvPr id="918" name="テキスト ボックス 917">
                 <a:extLst>
                   <a:ext uri="{FF2B5EF4-FFF2-40B4-BE49-F238E27FC236}">
-                    <a16:creationId xmlns="" xmlns:a16="http://schemas.microsoft.com/office/drawing/2014/main" id="{65944549-9B1C-4094-8DD6-656F7C2BBAD6}"/>
+                    <a16:creationId xmlns:a16="http://schemas.microsoft.com/office/drawing/2014/main" xmlns="" id="{65944549-9B1C-4094-8DD6-656F7C2BBAD6}"/>
                   </a:ext>
                 </a:extLst>
               </p:cNvPr>
@@ -43246,7 +43942,7 @@
           <p:cNvPr id="920" name="左中かっこ 919">
             <a:extLst>
               <a:ext uri="{FF2B5EF4-FFF2-40B4-BE49-F238E27FC236}">
-                <a16:creationId xmlns="" xmlns:a16="http://schemas.microsoft.com/office/drawing/2014/main" id="{D2B35B43-3535-4E27-BDFC-B8165A3301B0}"/>
+                <a16:creationId xmlns:a16="http://schemas.microsoft.com/office/drawing/2014/main" xmlns="" id="{D2B35B43-3535-4E27-BDFC-B8165A3301B0}"/>
               </a:ext>
             </a:extLst>
           </p:cNvPr>
@@ -43305,7 +44001,7 @@
               <p:cNvPr id="921" name="テキスト ボックス 920">
                 <a:extLst>
                   <a:ext uri="{FF2B5EF4-FFF2-40B4-BE49-F238E27FC236}">
-                    <a16:creationId xmlns="" xmlns:a16="http://schemas.microsoft.com/office/drawing/2014/main" id="{298A6F79-47C5-44F3-AA0A-54172F8B0BB3}"/>
+                    <a16:creationId xmlns:a16="http://schemas.microsoft.com/office/drawing/2014/main" xmlns="" id="{298A6F79-47C5-44F3-AA0A-54172F8B0BB3}"/>
                   </a:ext>
                 </a:extLst>
               </p:cNvPr>
